--- a/Docs/Course_PPT.pptx
+++ b/Docs/Course_PPT.pptx
@@ -283,7 +283,7 @@
           <a:p>
             <a:fld id="{7A9D29DF-778E-44DE-9BEF-944311ECE76F}" type="datetimeFigureOut">
               <a:rPr lang="en-IN" smtClean="0"/>
-              <a:t>09-09-2025</a:t>
+              <a:t>15-09-2025</a:t>
             </a:fld>
             <a:endParaRPr lang="en-IN"/>
           </a:p>
@@ -2685,7 +2685,7 @@
             <a:fld id="{1D8BD707-D9CF-40AE-B4C6-C98DA3205C09}" type="datetimeFigureOut">
               <a:rPr lang="en-US" smtClean="0"/>
               <a:pPr/>
-              <a:t>9/9/2025</a:t>
+              <a:t>9/15/2025</a:t>
             </a:fld>
             <a:endParaRPr lang="en-US"/>
           </a:p>
@@ -2850,7 +2850,7 @@
             <a:fld id="{1D8BD707-D9CF-40AE-B4C6-C98DA3205C09}" type="datetimeFigureOut">
               <a:rPr lang="en-US" smtClean="0"/>
               <a:pPr/>
-              <a:t>9/9/2025</a:t>
+              <a:t>9/15/2025</a:t>
             </a:fld>
             <a:endParaRPr lang="en-US"/>
           </a:p>
@@ -3025,7 +3025,7 @@
             <a:fld id="{1D8BD707-D9CF-40AE-B4C6-C98DA3205C09}" type="datetimeFigureOut">
               <a:rPr lang="en-US" smtClean="0"/>
               <a:pPr/>
-              <a:t>9/9/2025</a:t>
+              <a:t>9/15/2025</a:t>
             </a:fld>
             <a:endParaRPr lang="en-US"/>
           </a:p>
@@ -3190,7 +3190,7 @@
             <a:fld id="{1D8BD707-D9CF-40AE-B4C6-C98DA3205C09}" type="datetimeFigureOut">
               <a:rPr lang="en-US" smtClean="0"/>
               <a:pPr/>
-              <a:t>9/9/2025</a:t>
+              <a:t>9/15/2025</a:t>
             </a:fld>
             <a:endParaRPr lang="en-US"/>
           </a:p>
@@ -3432,7 +3432,7 @@
             <a:fld id="{1D8BD707-D9CF-40AE-B4C6-C98DA3205C09}" type="datetimeFigureOut">
               <a:rPr lang="en-US" smtClean="0"/>
               <a:pPr/>
-              <a:t>9/9/2025</a:t>
+              <a:t>9/15/2025</a:t>
             </a:fld>
             <a:endParaRPr lang="en-US"/>
           </a:p>
@@ -3714,7 +3714,7 @@
             <a:fld id="{1D8BD707-D9CF-40AE-B4C6-C98DA3205C09}" type="datetimeFigureOut">
               <a:rPr lang="en-US" smtClean="0"/>
               <a:pPr/>
-              <a:t>9/9/2025</a:t>
+              <a:t>9/15/2025</a:t>
             </a:fld>
             <a:endParaRPr lang="en-US"/>
           </a:p>
@@ -4130,7 +4130,7 @@
             <a:fld id="{1D8BD707-D9CF-40AE-B4C6-C98DA3205C09}" type="datetimeFigureOut">
               <a:rPr lang="en-US" smtClean="0"/>
               <a:pPr/>
-              <a:t>9/9/2025</a:t>
+              <a:t>9/15/2025</a:t>
             </a:fld>
             <a:endParaRPr lang="en-US"/>
           </a:p>
@@ -4244,7 +4244,7 @@
             <a:fld id="{1D8BD707-D9CF-40AE-B4C6-C98DA3205C09}" type="datetimeFigureOut">
               <a:rPr lang="en-US" smtClean="0"/>
               <a:pPr/>
-              <a:t>9/9/2025</a:t>
+              <a:t>9/15/2025</a:t>
             </a:fld>
             <a:endParaRPr lang="en-US"/>
           </a:p>
@@ -4336,7 +4336,7 @@
             <a:fld id="{1D8BD707-D9CF-40AE-B4C6-C98DA3205C09}" type="datetimeFigureOut">
               <a:rPr lang="en-US" smtClean="0"/>
               <a:pPr/>
-              <a:t>9/9/2025</a:t>
+              <a:t>9/15/2025</a:t>
             </a:fld>
             <a:endParaRPr lang="en-US"/>
           </a:p>
@@ -4608,7 +4608,7 @@
             <a:fld id="{1D8BD707-D9CF-40AE-B4C6-C98DA3205C09}" type="datetimeFigureOut">
               <a:rPr lang="en-US" smtClean="0"/>
               <a:pPr/>
-              <a:t>9/9/2025</a:t>
+              <a:t>9/15/2025</a:t>
             </a:fld>
             <a:endParaRPr lang="en-US"/>
           </a:p>
@@ -4857,7 +4857,7 @@
             <a:fld id="{1D8BD707-D9CF-40AE-B4C6-C98DA3205C09}" type="datetimeFigureOut">
               <a:rPr lang="en-US" smtClean="0"/>
               <a:pPr/>
-              <a:t>9/9/2025</a:t>
+              <a:t>9/15/2025</a:t>
             </a:fld>
             <a:endParaRPr lang="en-US"/>
           </a:p>
@@ -5065,7 +5065,7 @@
             <a:fld id="{1D8BD707-D9CF-40AE-B4C6-C98DA3205C09}" type="datetimeFigureOut">
               <a:rPr lang="en-US" smtClean="0"/>
               <a:pPr/>
-              <a:t>9/9/2025</a:t>
+              <a:t>9/15/2025</a:t>
             </a:fld>
             <a:endParaRPr lang="en-US"/>
           </a:p>
@@ -13184,7 +13184,7 @@
           <p:spPr>
             <a:xfrm>
               <a:off x="3505200" y="862905"/>
-              <a:ext cx="957313" cy="646331"/>
+              <a:ext cx="914995" cy="700090"/>
             </a:xfrm>
             <a:prstGeom prst="rect">
               <a:avLst/>
@@ -13197,16 +13197,28 @@
             <a:lstStyle/>
             <a:p>
               <a:r>
-                <a:rPr lang="en-US" dirty="0"/>
+                <a:rPr lang="en-US" dirty="0">
+                  <a:highlight>
+                    <a:srgbClr val="00FFFF"/>
+                  </a:highlight>
+                </a:rPr>
                 <a:t>Sector</a:t>
               </a:r>
             </a:p>
             <a:p>
               <a:r>
-                <a:rPr lang="en-US" dirty="0"/>
+                <a:rPr lang="en-US" dirty="0">
+                  <a:highlight>
+                    <a:srgbClr val="00FFFF"/>
+                  </a:highlight>
+                </a:rPr>
                 <a:t>Number</a:t>
               </a:r>
-              <a:endParaRPr lang="en-IN" dirty="0"/>
+              <a:endParaRPr lang="en-IN" dirty="0">
+                <a:highlight>
+                  <a:srgbClr val="00FFFF"/>
+                </a:highlight>
+              </a:endParaRPr>
             </a:p>
           </p:txBody>
         </p:sp>
@@ -17170,30 +17182,42 @@
           </p:nvSpPr>
           <p:spPr>
             <a:xfrm>
-              <a:off x="3357965" y="851405"/>
-              <a:ext cx="874727" cy="763136"/>
+              <a:off x="3357546" y="802182"/>
+              <a:ext cx="1062182" cy="763136"/>
             </a:xfrm>
             <a:prstGeom prst="rect">
               <a:avLst/>
             </a:prstGeom>
           </p:spPr>
           <p:txBody>
-            <a:bodyPr wrap="none">
+            <a:bodyPr wrap="square">
               <a:spAutoFit/>
             </a:bodyPr>
             <a:lstStyle/>
             <a:p>
               <a:r>
-                <a:rPr lang="en-US" dirty="0"/>
+                <a:rPr lang="en-US" dirty="0">
+                  <a:highlight>
+                    <a:srgbClr val="00FFFF"/>
+                  </a:highlight>
+                </a:rPr>
                 <a:t>Sector</a:t>
               </a:r>
             </a:p>
             <a:p>
               <a:r>
-                <a:rPr lang="en-US" dirty="0"/>
+                <a:rPr lang="en-US" dirty="0">
+                  <a:highlight>
+                    <a:srgbClr val="00FFFF"/>
+                  </a:highlight>
+                </a:rPr>
                 <a:t>Details </a:t>
               </a:r>
-              <a:endParaRPr lang="en-IN" dirty="0"/>
+              <a:endParaRPr lang="en-IN" dirty="0">
+                <a:highlight>
+                  <a:srgbClr val="00FFFF"/>
+                </a:highlight>
+              </a:endParaRPr>
             </a:p>
           </p:txBody>
         </p:sp>
@@ -21082,6 +21106,47 @@
             <a:r>
               <a:rPr lang="en-US" dirty="0"/>
               <a:t>Y</a:t>
+            </a:r>
+          </a:p>
+        </p:txBody>
+      </p:sp>
+      <p:sp>
+        <p:nvSpPr>
+          <p:cNvPr id="4" name="TextBox 3">
+            <a:extLst>
+              <a:ext uri="{FF2B5EF4-FFF2-40B4-BE49-F238E27FC236}">
+                <a16:creationId xmlns:a16="http://schemas.microsoft.com/office/drawing/2014/main" id="{AD9AE9A5-5796-303C-2ED2-8EAF1A7511C6}"/>
+              </a:ext>
+            </a:extLst>
+          </p:cNvPr>
+          <p:cNvSpPr txBox="1"/>
+          <p:nvPr/>
+        </p:nvSpPr>
+        <p:spPr>
+          <a:xfrm>
+            <a:off x="2748547" y="3063088"/>
+            <a:ext cx="1523174" cy="430887"/>
+          </a:xfrm>
+          <a:prstGeom prst="rect">
+            <a:avLst/>
+          </a:prstGeom>
+          <a:noFill/>
+        </p:spPr>
+        <p:txBody>
+          <a:bodyPr wrap="none" rtlCol="0">
+            <a:spAutoFit/>
+          </a:bodyPr>
+          <a:lstStyle/>
+          <a:p>
+            <a:r>
+              <a:rPr lang="en-IN" sz="1100" dirty="0"/>
+              <a:t>Return from command </a:t>
+            </a:r>
+          </a:p>
+          <a:p>
+            <a:r>
+              <a:rPr lang="en-IN" sz="1100" dirty="0"/>
+              <a:t>handle function</a:t>
             </a:r>
           </a:p>
         </p:txBody>

--- a/Docs/Course_PPT.pptx
+++ b/Docs/Course_PPT.pptx
@@ -283,7 +283,7 @@
           <a:p>
             <a:fld id="{7A9D29DF-778E-44DE-9BEF-944311ECE76F}" type="datetimeFigureOut">
               <a:rPr lang="en-IN" smtClean="0"/>
-              <a:t>15-09-2025</a:t>
+              <a:t>17-09-2025</a:t>
             </a:fld>
             <a:endParaRPr lang="en-IN"/>
           </a:p>
@@ -2685,7 +2685,7 @@
             <a:fld id="{1D8BD707-D9CF-40AE-B4C6-C98DA3205C09}" type="datetimeFigureOut">
               <a:rPr lang="en-US" smtClean="0"/>
               <a:pPr/>
-              <a:t>9/15/2025</a:t>
+              <a:t>9/17/2025</a:t>
             </a:fld>
             <a:endParaRPr lang="en-US"/>
           </a:p>
@@ -2850,7 +2850,7 @@
             <a:fld id="{1D8BD707-D9CF-40AE-B4C6-C98DA3205C09}" type="datetimeFigureOut">
               <a:rPr lang="en-US" smtClean="0"/>
               <a:pPr/>
-              <a:t>9/15/2025</a:t>
+              <a:t>9/17/2025</a:t>
             </a:fld>
             <a:endParaRPr lang="en-US"/>
           </a:p>
@@ -3025,7 +3025,7 @@
             <a:fld id="{1D8BD707-D9CF-40AE-B4C6-C98DA3205C09}" type="datetimeFigureOut">
               <a:rPr lang="en-US" smtClean="0"/>
               <a:pPr/>
-              <a:t>9/15/2025</a:t>
+              <a:t>9/17/2025</a:t>
             </a:fld>
             <a:endParaRPr lang="en-US"/>
           </a:p>
@@ -3190,7 +3190,7 @@
             <a:fld id="{1D8BD707-D9CF-40AE-B4C6-C98DA3205C09}" type="datetimeFigureOut">
               <a:rPr lang="en-US" smtClean="0"/>
               <a:pPr/>
-              <a:t>9/15/2025</a:t>
+              <a:t>9/17/2025</a:t>
             </a:fld>
             <a:endParaRPr lang="en-US"/>
           </a:p>
@@ -3432,7 +3432,7 @@
             <a:fld id="{1D8BD707-D9CF-40AE-B4C6-C98DA3205C09}" type="datetimeFigureOut">
               <a:rPr lang="en-US" smtClean="0"/>
               <a:pPr/>
-              <a:t>9/15/2025</a:t>
+              <a:t>9/17/2025</a:t>
             </a:fld>
             <a:endParaRPr lang="en-US"/>
           </a:p>
@@ -3714,7 +3714,7 @@
             <a:fld id="{1D8BD707-D9CF-40AE-B4C6-C98DA3205C09}" type="datetimeFigureOut">
               <a:rPr lang="en-US" smtClean="0"/>
               <a:pPr/>
-              <a:t>9/15/2025</a:t>
+              <a:t>9/17/2025</a:t>
             </a:fld>
             <a:endParaRPr lang="en-US"/>
           </a:p>
@@ -4130,7 +4130,7 @@
             <a:fld id="{1D8BD707-D9CF-40AE-B4C6-C98DA3205C09}" type="datetimeFigureOut">
               <a:rPr lang="en-US" smtClean="0"/>
               <a:pPr/>
-              <a:t>9/15/2025</a:t>
+              <a:t>9/17/2025</a:t>
             </a:fld>
             <a:endParaRPr lang="en-US"/>
           </a:p>
@@ -4244,7 +4244,7 @@
             <a:fld id="{1D8BD707-D9CF-40AE-B4C6-C98DA3205C09}" type="datetimeFigureOut">
               <a:rPr lang="en-US" smtClean="0"/>
               <a:pPr/>
-              <a:t>9/15/2025</a:t>
+              <a:t>9/17/2025</a:t>
             </a:fld>
             <a:endParaRPr lang="en-US"/>
           </a:p>
@@ -4336,7 +4336,7 @@
             <a:fld id="{1D8BD707-D9CF-40AE-B4C6-C98DA3205C09}" type="datetimeFigureOut">
               <a:rPr lang="en-US" smtClean="0"/>
               <a:pPr/>
-              <a:t>9/15/2025</a:t>
+              <a:t>9/17/2025</a:t>
             </a:fld>
             <a:endParaRPr lang="en-US"/>
           </a:p>
@@ -4608,7 +4608,7 @@
             <a:fld id="{1D8BD707-D9CF-40AE-B4C6-C98DA3205C09}" type="datetimeFigureOut">
               <a:rPr lang="en-US" smtClean="0"/>
               <a:pPr/>
-              <a:t>9/15/2025</a:t>
+              <a:t>9/17/2025</a:t>
             </a:fld>
             <a:endParaRPr lang="en-US"/>
           </a:p>
@@ -4857,7 +4857,7 @@
             <a:fld id="{1D8BD707-D9CF-40AE-B4C6-C98DA3205C09}" type="datetimeFigureOut">
               <a:rPr lang="en-US" smtClean="0"/>
               <a:pPr/>
-              <a:t>9/15/2025</a:t>
+              <a:t>9/17/2025</a:t>
             </a:fld>
             <a:endParaRPr lang="en-US"/>
           </a:p>
@@ -5065,7 +5065,7 @@
             <a:fld id="{1D8BD707-D9CF-40AE-B4C6-C98DA3205C09}" type="datetimeFigureOut">
               <a:rPr lang="en-US" smtClean="0"/>
               <a:pPr/>
-              <a:t>9/15/2025</a:t>
+              <a:t>9/17/2025</a:t>
             </a:fld>
             <a:endParaRPr lang="en-US"/>
           </a:p>
@@ -13296,7 +13296,7 @@
           <p:spPr>
             <a:xfrm>
               <a:off x="4485126" y="800784"/>
-              <a:ext cx="1095364" cy="646331"/>
+              <a:ext cx="1046943" cy="700090"/>
             </a:xfrm>
             <a:prstGeom prst="rect">
               <a:avLst/>
@@ -13309,16 +13309,28 @@
             <a:lstStyle/>
             <a:p>
               <a:r>
-                <a:rPr lang="en-US" dirty="0"/>
+                <a:rPr lang="en-US" dirty="0">
+                  <a:highlight>
+                    <a:srgbClr val="00FFFF"/>
+                  </a:highlight>
+                </a:rPr>
                 <a:t>Number </a:t>
               </a:r>
             </a:p>
             <a:p>
               <a:r>
-                <a:rPr lang="en-US" dirty="0"/>
+                <a:rPr lang="en-US" dirty="0">
+                  <a:highlight>
+                    <a:srgbClr val="00FFFF"/>
+                  </a:highlight>
+                </a:rPr>
                 <a:t>of sectors</a:t>
               </a:r>
-              <a:endParaRPr lang="en-IN" dirty="0"/>
+              <a:endParaRPr lang="en-IN" dirty="0">
+                <a:highlight>
+                  <a:srgbClr val="00FFFF"/>
+                </a:highlight>
+              </a:endParaRPr>
             </a:p>
           </p:txBody>
         </p:sp>

--- a/Docs/Course_PPT.pptx
+++ b/Docs/Course_PPT.pptx
@@ -5446,7 +5446,12 @@
             <p:ph type="title"/>
           </p:nvPr>
         </p:nvSpPr>
-        <p:spPr/>
+        <p:spPr>
+          <a:xfrm>
+            <a:off x="457200" y="361950"/>
+            <a:ext cx="8229600" cy="857250"/>
+          </a:xfrm>
+        </p:spPr>
         <p:txBody>
           <a:bodyPr>
             <a:normAutofit fontScale="90000"/>
@@ -5479,7 +5484,12 @@
             <p:ph idx="1"/>
           </p:nvPr>
         </p:nvSpPr>
-        <p:spPr/>
+        <p:spPr>
+          <a:xfrm>
+            <a:off x="381000" y="1533377"/>
+            <a:ext cx="8229600" cy="3394472"/>
+          </a:xfrm>
+        </p:spPr>
         <p:txBody>
           <a:bodyPr/>
           <a:lstStyle/>
@@ -5488,25 +5498,12 @@
               <a:buNone/>
             </a:pPr>
             <a:r>
-              <a:rPr lang="en-US" dirty="0" err="1"/>
+              <a:rPr lang="en-US" b="1" dirty="0"/>
               <a:t>Bootloader</a:t>
             </a:r>
             <a:r>
               <a:rPr lang="en-US" dirty="0"/>
-              <a:t> :</a:t>
-            </a:r>
-          </a:p>
-          <a:p>
-            <a:pPr marL="0" indent="0">
-              <a:buNone/>
-            </a:pPr>
-            <a:r>
-              <a:rPr lang="en-US" dirty="0" err="1"/>
-              <a:t>Bootloader</a:t>
-            </a:r>
-            <a:r>
-              <a:rPr lang="en-US" dirty="0"/>
-              <a:t> is nothing but a small piece of code stored in the MCU flash or ROM to act as an application loader as well as a mechanism to update the applications whenever required. </a:t>
+              <a:t> is a small piece of code stored in the MCU flash or ROM to act as an application loader as well as a mechanism to update the applications whenever required. </a:t>
             </a:r>
             <a:endParaRPr lang="en-IN" dirty="0"/>
           </a:p>
@@ -10076,7 +10073,7 @@
         </p:nvSpPr>
         <p:spPr>
           <a:xfrm>
-            <a:off x="4343400" y="1548884"/>
+            <a:off x="4038600" y="1912888"/>
             <a:ext cx="4848058" cy="2308324"/>
           </a:xfrm>
           <a:prstGeom prst="rect">
@@ -19262,7 +19259,7 @@
         </p:nvSpPr>
         <p:spPr>
           <a:xfrm>
-            <a:off x="3733800" y="1548884"/>
+            <a:off x="3428900" y="1885950"/>
             <a:ext cx="5058308" cy="2308324"/>
           </a:xfrm>
           <a:prstGeom prst="rect">
@@ -19295,7 +19292,7 @@
                   <a:srgbClr val="FF0000"/>
                 </a:solidFill>
               </a:rPr>
-              <a:t>Yes it is !</a:t>
+              <a:t>Yes, it does!</a:t>
             </a:r>
           </a:p>
           <a:p>
@@ -21304,7 +21301,7 @@
         </p:nvSpPr>
         <p:spPr>
           <a:xfrm>
-            <a:off x="4191000" y="1548884"/>
+            <a:off x="3446784" y="2023213"/>
             <a:ext cx="5058308" cy="2308324"/>
           </a:xfrm>
           <a:prstGeom prst="rect">
